--- a/PPT_Template_TechStorm_2025.pptx
+++ b/PPT_Template_TechStorm_2025.pptx
@@ -262,7 +262,7 @@
             <a:fld id="{C4D5ADD5-2BBC-4A94-8F86-D9013941F742}" type="datetimeFigureOut">
               <a:rPr lang="en-US"/>
               <a:pPr/>
-              <a:t>3/11/2025</a:t>
+              <a:t>3/12/2025</a:t>
             </a:fld>
             <a:endParaRPr lang="en-US"/>
           </a:p>
@@ -1713,7 +1713,7 @@
           <a:p>
             <a:fld id="{E60792E3-D524-454C-8AFD-A91972900BCB}" type="datetime1">
               <a:rPr lang="en-US" smtClean="0"/>
-              <a:t>3/11/2025</a:t>
+              <a:t>3/12/2025</a:t>
             </a:fld>
             <a:endParaRPr lang="en-US"/>
           </a:p>
@@ -1895,7 +1895,7 @@
           <a:p>
             <a:fld id="{053C3A68-6922-42D3-8905-ECC2D82A3469}" type="datetime1">
               <a:rPr lang="en-US" smtClean="0"/>
-              <a:t>3/11/2025</a:t>
+              <a:t>3/12/2025</a:t>
             </a:fld>
             <a:endParaRPr lang="en-US"/>
           </a:p>
@@ -2087,7 +2087,7 @@
           <a:p>
             <a:fld id="{CB69E9F4-7604-4950-A8B2-8ACDEDB1506E}" type="datetime1">
               <a:rPr lang="en-US" smtClean="0"/>
-              <a:t>3/11/2025</a:t>
+              <a:t>3/12/2025</a:t>
             </a:fld>
             <a:endParaRPr lang="en-US"/>
           </a:p>
@@ -2269,7 +2269,7 @@
           <a:p>
             <a:fld id="{708B7524-32A2-4C20-A58C-BC3BAA1042FC}" type="datetime1">
               <a:rPr lang="en-US" smtClean="0"/>
-              <a:t>3/11/2025</a:t>
+              <a:t>3/12/2025</a:t>
             </a:fld>
             <a:endParaRPr lang="en-US"/>
           </a:p>
@@ -2528,7 +2528,7 @@
           <a:p>
             <a:fld id="{1E994447-D6B2-43BB-A877-57F1A267B999}" type="datetime1">
               <a:rPr lang="en-US" smtClean="0"/>
-              <a:t>3/11/2025</a:t>
+              <a:t>3/12/2025</a:t>
             </a:fld>
             <a:endParaRPr lang="en-US"/>
           </a:p>
@@ -2827,7 +2827,7 @@
           <a:p>
             <a:fld id="{68920E16-BD35-483C-AA6B-346FC7E46DEA}" type="datetime1">
               <a:rPr lang="en-US" smtClean="0"/>
-              <a:t>3/11/2025</a:t>
+              <a:t>3/12/2025</a:t>
             </a:fld>
             <a:endParaRPr lang="en-US"/>
           </a:p>
@@ -3260,7 +3260,7 @@
           <a:p>
             <a:fld id="{2FEAC6F8-5103-4FC0-A69E-5C6AE6469DA8}" type="datetime1">
               <a:rPr lang="en-US" smtClean="0"/>
-              <a:t>3/11/2025</a:t>
+              <a:t>3/12/2025</a:t>
             </a:fld>
             <a:endParaRPr lang="en-US"/>
           </a:p>
@@ -3391,7 +3391,7 @@
           <a:p>
             <a:fld id="{C60C6921-0627-4C8F-83D5-0CF936D2FFDD}" type="datetime1">
               <a:rPr lang="en-US" smtClean="0"/>
-              <a:t>3/11/2025</a:t>
+              <a:t>3/12/2025</a:t>
             </a:fld>
             <a:endParaRPr lang="en-US"/>
           </a:p>
@@ -3500,7 +3500,7 @@
           <a:p>
             <a:fld id="{2FF08AD7-8103-40F8-983C-E2BA6BB9CBE0}" type="datetime1">
               <a:rPr lang="en-US" smtClean="0"/>
-              <a:t>3/11/2025</a:t>
+              <a:t>3/12/2025</a:t>
             </a:fld>
             <a:endParaRPr lang="en-US"/>
           </a:p>
@@ -3789,7 +3789,7 @@
           <a:p>
             <a:fld id="{DF8C06B4-9380-4A4D-AF49-A3596E17DAF5}" type="datetime1">
               <a:rPr lang="en-US" smtClean="0"/>
-              <a:t>3/11/2025</a:t>
+              <a:t>3/12/2025</a:t>
             </a:fld>
             <a:endParaRPr lang="en-US"/>
           </a:p>
@@ -4058,7 +4058,7 @@
           <a:p>
             <a:fld id="{EF7FDEF1-C582-4E22-9E77-D68326471F28}" type="datetime1">
               <a:rPr lang="en-US" smtClean="0"/>
-              <a:t>3/11/2025</a:t>
+              <a:t>3/12/2025</a:t>
             </a:fld>
             <a:endParaRPr lang="en-US"/>
           </a:p>
@@ -4301,7 +4301,7 @@
           <a:p>
             <a:fld id="{780A9602-A9A9-453F-AEF1-37B5837E02CD}" type="datetime1">
               <a:rPr lang="en-US" smtClean="0"/>
-              <a:t>3/11/2025</a:t>
+              <a:t>3/12/2025</a:t>
             </a:fld>
             <a:endParaRPr lang="en-US"/>
           </a:p>
@@ -5891,6 +5891,36 @@
           </a:p>
         </p:txBody>
       </p:sp>
+      <p:pic>
+        <p:nvPicPr>
+          <p:cNvPr id="3" name="Picture 2">
+            <a:extLst>
+              <a:ext uri="{FF2B5EF4-FFF2-40B4-BE49-F238E27FC236}">
+                <a16:creationId xmlns:a16="http://schemas.microsoft.com/office/drawing/2014/main" id="{7D1A32DD-1F14-F248-E38F-7E9611F7F821}"/>
+              </a:ext>
+            </a:extLst>
+          </p:cNvPr>
+          <p:cNvPicPr>
+            <a:picLocks noChangeAspect="1"/>
+          </p:cNvPicPr>
+          <p:nvPr/>
+        </p:nvPicPr>
+        <p:blipFill>
+          <a:blip r:embed="rId2"/>
+          <a:stretch>
+            <a:fillRect/>
+          </a:stretch>
+        </p:blipFill>
+        <p:spPr>
+          <a:xfrm>
+            <a:off x="5957402" y="1333918"/>
+            <a:ext cx="4762500" cy="4762500"/>
+          </a:xfrm>
+          <a:prstGeom prst="rect">
+            <a:avLst/>
+          </a:prstGeom>
+        </p:spPr>
+      </p:pic>
     </p:spTree>
   </p:cSld>
   <p:clrMapOvr>
@@ -6209,6 +6239,36 @@
           </a:p>
         </p:txBody>
       </p:sp>
+      <p:pic>
+        <p:nvPicPr>
+          <p:cNvPr id="3" name="Picture 2">
+            <a:extLst>
+              <a:ext uri="{FF2B5EF4-FFF2-40B4-BE49-F238E27FC236}">
+                <a16:creationId xmlns:a16="http://schemas.microsoft.com/office/drawing/2014/main" id="{CFA91E5E-5FAA-3E08-865D-856328723B6A}"/>
+              </a:ext>
+            </a:extLst>
+          </p:cNvPr>
+          <p:cNvPicPr>
+            <a:picLocks noChangeAspect="1"/>
+          </p:cNvPicPr>
+          <p:nvPr/>
+        </p:nvPicPr>
+        <p:blipFill>
+          <a:blip r:embed="rId3"/>
+          <a:stretch>
+            <a:fillRect/>
+          </a:stretch>
+        </p:blipFill>
+        <p:spPr>
+          <a:xfrm>
+            <a:off x="10387888" y="-290837"/>
+            <a:ext cx="1894798" cy="1894798"/>
+          </a:xfrm>
+          <a:prstGeom prst="rect">
+            <a:avLst/>
+          </a:prstGeom>
+        </p:spPr>
+      </p:pic>
     </p:spTree>
   </p:cSld>
   <p:clrMapOvr>
@@ -6465,6 +6525,36 @@
           </a:p>
         </p:txBody>
       </p:sp>
+      <p:pic>
+        <p:nvPicPr>
+          <p:cNvPr id="3" name="Picture 2">
+            <a:extLst>
+              <a:ext uri="{FF2B5EF4-FFF2-40B4-BE49-F238E27FC236}">
+                <a16:creationId xmlns:a16="http://schemas.microsoft.com/office/drawing/2014/main" id="{B4839B9C-457A-157E-72EC-D3CC53344E52}"/>
+              </a:ext>
+            </a:extLst>
+          </p:cNvPr>
+          <p:cNvPicPr>
+            <a:picLocks noChangeAspect="1"/>
+          </p:cNvPicPr>
+          <p:nvPr/>
+        </p:nvPicPr>
+        <p:blipFill>
+          <a:blip r:embed="rId3"/>
+          <a:stretch>
+            <a:fillRect/>
+          </a:stretch>
+        </p:blipFill>
+        <p:spPr>
+          <a:xfrm>
+            <a:off x="10387888" y="-290837"/>
+            <a:ext cx="1894798" cy="1894798"/>
+          </a:xfrm>
+          <a:prstGeom prst="rect">
+            <a:avLst/>
+          </a:prstGeom>
+        </p:spPr>
+      </p:pic>
     </p:spTree>
   </p:cSld>
   <p:clrMapOvr>
@@ -6849,6 +6939,36 @@
           </a:p>
         </p:txBody>
       </p:sp>
+      <p:pic>
+        <p:nvPicPr>
+          <p:cNvPr id="4" name="Picture 3">
+            <a:extLst>
+              <a:ext uri="{FF2B5EF4-FFF2-40B4-BE49-F238E27FC236}">
+                <a16:creationId xmlns:a16="http://schemas.microsoft.com/office/drawing/2014/main" id="{87636323-D66D-4E23-BC78-7A287EB82158}"/>
+              </a:ext>
+            </a:extLst>
+          </p:cNvPr>
+          <p:cNvPicPr>
+            <a:picLocks noChangeAspect="1"/>
+          </p:cNvPicPr>
+          <p:nvPr/>
+        </p:nvPicPr>
+        <p:blipFill>
+          <a:blip r:embed="rId3"/>
+          <a:stretch>
+            <a:fillRect/>
+          </a:stretch>
+        </p:blipFill>
+        <p:spPr>
+          <a:xfrm>
+            <a:off x="10387888" y="-290837"/>
+            <a:ext cx="1894798" cy="1894798"/>
+          </a:xfrm>
+          <a:prstGeom prst="rect">
+            <a:avLst/>
+          </a:prstGeom>
+        </p:spPr>
+      </p:pic>
     </p:spTree>
     <p:extLst>
       <p:ext uri="{BB962C8B-B14F-4D97-AF65-F5344CB8AC3E}">
@@ -7164,6 +7284,36 @@
           </a:p>
         </p:txBody>
       </p:sp>
+      <p:pic>
+        <p:nvPicPr>
+          <p:cNvPr id="4" name="Picture 3">
+            <a:extLst>
+              <a:ext uri="{FF2B5EF4-FFF2-40B4-BE49-F238E27FC236}">
+                <a16:creationId xmlns:a16="http://schemas.microsoft.com/office/drawing/2014/main" id="{787D1E0E-CA47-8263-EEFB-7337DD2CAD83}"/>
+              </a:ext>
+            </a:extLst>
+          </p:cNvPr>
+          <p:cNvPicPr>
+            <a:picLocks noChangeAspect="1"/>
+          </p:cNvPicPr>
+          <p:nvPr/>
+        </p:nvPicPr>
+        <p:blipFill>
+          <a:blip r:embed="rId3"/>
+          <a:stretch>
+            <a:fillRect/>
+          </a:stretch>
+        </p:blipFill>
+        <p:spPr>
+          <a:xfrm>
+            <a:off x="10387888" y="-290837"/>
+            <a:ext cx="1894798" cy="1894798"/>
+          </a:xfrm>
+          <a:prstGeom prst="rect">
+            <a:avLst/>
+          </a:prstGeom>
+        </p:spPr>
+      </p:pic>
     </p:spTree>
     <p:extLst>
       <p:ext uri="{BB962C8B-B14F-4D97-AF65-F5344CB8AC3E}">
@@ -7457,6 +7607,36 @@
           </a:p>
         </p:txBody>
       </p:sp>
+      <p:pic>
+        <p:nvPicPr>
+          <p:cNvPr id="4" name="Picture 3">
+            <a:extLst>
+              <a:ext uri="{FF2B5EF4-FFF2-40B4-BE49-F238E27FC236}">
+                <a16:creationId xmlns:a16="http://schemas.microsoft.com/office/drawing/2014/main" id="{72F38BBA-513B-CAEF-D139-F69A788F99B5}"/>
+              </a:ext>
+            </a:extLst>
+          </p:cNvPr>
+          <p:cNvPicPr>
+            <a:picLocks noChangeAspect="1"/>
+          </p:cNvPicPr>
+          <p:nvPr/>
+        </p:nvPicPr>
+        <p:blipFill>
+          <a:blip r:embed="rId3"/>
+          <a:stretch>
+            <a:fillRect/>
+          </a:stretch>
+        </p:blipFill>
+        <p:spPr>
+          <a:xfrm>
+            <a:off x="10387888" y="-290837"/>
+            <a:ext cx="1894798" cy="1894798"/>
+          </a:xfrm>
+          <a:prstGeom prst="rect">
+            <a:avLst/>
+          </a:prstGeom>
+        </p:spPr>
+      </p:pic>
     </p:spTree>
     <p:extLst>
       <p:ext uri="{BB962C8B-B14F-4D97-AF65-F5344CB8AC3E}">
@@ -8168,6 +8348,36 @@
           </a:p>
         </p:txBody>
       </p:sp>
+      <p:pic>
+        <p:nvPicPr>
+          <p:cNvPr id="6" name="Picture 5">
+            <a:extLst>
+              <a:ext uri="{FF2B5EF4-FFF2-40B4-BE49-F238E27FC236}">
+                <a16:creationId xmlns:a16="http://schemas.microsoft.com/office/drawing/2014/main" id="{883E0CA1-26F5-89DA-AA0D-C9C47F198EBA}"/>
+              </a:ext>
+            </a:extLst>
+          </p:cNvPr>
+          <p:cNvPicPr>
+            <a:picLocks noChangeAspect="1"/>
+          </p:cNvPicPr>
+          <p:nvPr/>
+        </p:nvPicPr>
+        <p:blipFill>
+          <a:blip r:embed="rId3"/>
+          <a:stretch>
+            <a:fillRect/>
+          </a:stretch>
+        </p:blipFill>
+        <p:spPr>
+          <a:xfrm>
+            <a:off x="10387888" y="-290837"/>
+            <a:ext cx="1894798" cy="1894798"/>
+          </a:xfrm>
+          <a:prstGeom prst="rect">
+            <a:avLst/>
+          </a:prstGeom>
+        </p:spPr>
+      </p:pic>
     </p:spTree>
     <p:extLst>
       <p:ext uri="{BB962C8B-B14F-4D97-AF65-F5344CB8AC3E}">
